--- a/prezentacija.pptx
+++ b/prezentacija.pptx
@@ -9,11 +9,10 @@
     <p:sldId id="258" r:id="rId3"/>
     <p:sldId id="261" r:id="rId4"/>
     <p:sldId id="260" r:id="rId5"/>
-    <p:sldId id="266" r:id="rId6"/>
-    <p:sldId id="262" r:id="rId7"/>
-    <p:sldId id="263" r:id="rId8"/>
-    <p:sldId id="264" r:id="rId9"/>
-    <p:sldId id="265" r:id="rId10"/>
+    <p:sldId id="262" r:id="rId6"/>
+    <p:sldId id="263" r:id="rId7"/>
+    <p:sldId id="264" r:id="rId8"/>
+    <p:sldId id="265" r:id="rId9"/>
   </p:sldIdLst>
   <p:sldSz cx="9144000" cy="6858000" type="screen4x3"/>
   <p:notesSz cx="6858000" cy="9144000"/>
@@ -125,7 +124,6 @@
             <p14:sldId id="258"/>
             <p14:sldId id="261"/>
             <p14:sldId id="260"/>
-            <p14:sldId id="266"/>
           </p14:sldIdLst>
         </p14:section>
         <p14:section name="Motivacija" id="{94DB4A69-3560-46E1-95C0-AF47193CDC5F}">
@@ -331,7 +329,7 @@
           <a:p>
             <a:fld id="{B299E137-8870-4019-B9B1-E6313DA350D9}" type="datetimeFigureOut">
               <a:rPr lang="en-US" smtClean="0"/>
-              <a:t>12/14/2015</a:t>
+              <a:t>12/15/2015</a:t>
             </a:fld>
             <a:endParaRPr lang="en-US"/>
           </a:p>
@@ -501,7 +499,7 @@
           <a:p>
             <a:fld id="{B299E137-8870-4019-B9B1-E6313DA350D9}" type="datetimeFigureOut">
               <a:rPr lang="en-US" smtClean="0"/>
-              <a:t>12/14/2015</a:t>
+              <a:t>12/15/2015</a:t>
             </a:fld>
             <a:endParaRPr lang="en-US"/>
           </a:p>
@@ -681,7 +679,7 @@
           <a:p>
             <a:fld id="{B299E137-8870-4019-B9B1-E6313DA350D9}" type="datetimeFigureOut">
               <a:rPr lang="en-US" smtClean="0"/>
-              <a:t>12/14/2015</a:t>
+              <a:t>12/15/2015</a:t>
             </a:fld>
             <a:endParaRPr lang="en-US"/>
           </a:p>
@@ -851,7 +849,7 @@
           <a:p>
             <a:fld id="{B299E137-8870-4019-B9B1-E6313DA350D9}" type="datetimeFigureOut">
               <a:rPr lang="en-US" smtClean="0"/>
-              <a:t>12/14/2015</a:t>
+              <a:t>12/15/2015</a:t>
             </a:fld>
             <a:endParaRPr lang="en-US"/>
           </a:p>
@@ -1097,7 +1095,7 @@
           <a:p>
             <a:fld id="{B299E137-8870-4019-B9B1-E6313DA350D9}" type="datetimeFigureOut">
               <a:rPr lang="en-US" smtClean="0"/>
-              <a:t>12/14/2015</a:t>
+              <a:t>12/15/2015</a:t>
             </a:fld>
             <a:endParaRPr lang="en-US"/>
           </a:p>
@@ -1385,7 +1383,7 @@
           <a:p>
             <a:fld id="{B299E137-8870-4019-B9B1-E6313DA350D9}" type="datetimeFigureOut">
               <a:rPr lang="en-US" smtClean="0"/>
-              <a:t>12/14/2015</a:t>
+              <a:t>12/15/2015</a:t>
             </a:fld>
             <a:endParaRPr lang="en-US"/>
           </a:p>
@@ -1807,7 +1805,7 @@
           <a:p>
             <a:fld id="{B299E137-8870-4019-B9B1-E6313DA350D9}" type="datetimeFigureOut">
               <a:rPr lang="en-US" smtClean="0"/>
-              <a:t>12/14/2015</a:t>
+              <a:t>12/15/2015</a:t>
             </a:fld>
             <a:endParaRPr lang="en-US"/>
           </a:p>
@@ -1925,7 +1923,7 @@
           <a:p>
             <a:fld id="{B299E137-8870-4019-B9B1-E6313DA350D9}" type="datetimeFigureOut">
               <a:rPr lang="en-US" smtClean="0"/>
-              <a:t>12/14/2015</a:t>
+              <a:t>12/15/2015</a:t>
             </a:fld>
             <a:endParaRPr lang="en-US"/>
           </a:p>
@@ -2020,7 +2018,7 @@
           <a:p>
             <a:fld id="{B299E137-8870-4019-B9B1-E6313DA350D9}" type="datetimeFigureOut">
               <a:rPr lang="en-US" smtClean="0"/>
-              <a:t>12/14/2015</a:t>
+              <a:t>12/15/2015</a:t>
             </a:fld>
             <a:endParaRPr lang="en-US"/>
           </a:p>
@@ -2297,7 +2295,7 @@
           <a:p>
             <a:fld id="{B299E137-8870-4019-B9B1-E6313DA350D9}" type="datetimeFigureOut">
               <a:rPr lang="en-US" smtClean="0"/>
-              <a:t>12/14/2015</a:t>
+              <a:t>12/15/2015</a:t>
             </a:fld>
             <a:endParaRPr lang="en-US"/>
           </a:p>
@@ -2550,7 +2548,7 @@
           <a:p>
             <a:fld id="{B299E137-8870-4019-B9B1-E6313DA350D9}" type="datetimeFigureOut">
               <a:rPr lang="en-US" smtClean="0"/>
-              <a:t>12/14/2015</a:t>
+              <a:t>12/15/2015</a:t>
             </a:fld>
             <a:endParaRPr lang="en-US"/>
           </a:p>
@@ -2763,7 +2761,7 @@
           <a:p>
             <a:fld id="{B299E137-8870-4019-B9B1-E6313DA350D9}" type="datetimeFigureOut">
               <a:rPr lang="en-US" smtClean="0"/>
-              <a:t>12/14/2015</a:t>
+              <a:t>12/15/2015</a:t>
             </a:fld>
             <a:endParaRPr lang="en-US"/>
           </a:p>
@@ -3634,7 +3632,7 @@
           <a:p>
             <a:r>
               <a:rPr lang="sr-Latn-RS" dirty="0" smtClean="0"/>
-              <a:t>Specifikacija</a:t>
+              <a:t>Motivacija</a:t>
             </a:r>
             <a:endParaRPr lang="en-US" dirty="0"/>
           </a:p>
@@ -3655,24 +3653,29 @@
           <a:bodyPr/>
           <a:lstStyle/>
           <a:p>
-            <a:pPr marL="0" indent="0">
-              <a:buNone/>
-            </a:pPr>
+            <a:r>
+              <a:rPr lang="en-US" dirty="0" err="1" smtClean="0"/>
+              <a:t>Pomeranje</a:t>
+            </a:r>
+            <a:r>
+              <a:rPr lang="en-US" dirty="0" smtClean="0"/>
+              <a:t> </a:t>
+            </a:r>
+            <a:r>
+              <a:rPr lang="en-US" dirty="0" err="1" smtClean="0"/>
+              <a:t>objekata</a:t>
+            </a:r>
+            <a:r>
+              <a:rPr lang="en-US" dirty="0" smtClean="0"/>
+              <a:t> </a:t>
+            </a:r>
+            <a:r>
+              <a:rPr lang="en-US" dirty="0" err="1" smtClean="0"/>
+              <a:t>kori</a:t>
+            </a:r>
             <a:r>
               <a:rPr lang="sr-Latn-RS" dirty="0" smtClean="0"/>
-              <a:t>Opciono:</a:t>
-            </a:r>
-          </a:p>
-          <a:p>
-            <a:r>
-              <a:rPr lang="sr-Latn-RS" dirty="0" smtClean="0"/>
-              <a:t>Desnom šakom kontrola kursora</a:t>
-            </a:r>
-          </a:p>
-          <a:p>
-            <a:r>
-              <a:rPr lang="sr-Latn-RS" dirty="0" smtClean="0"/>
-              <a:t>Levom kontrola prozora fokusirane aplikacije (pomeranje, minimize, maximize...)</a:t>
+              <a:t>šćenjem „sile“ u filmovima Star Wars (Force)</a:t>
             </a:r>
             <a:endParaRPr lang="en-US" dirty="0"/>
           </a:p>
@@ -3681,7 +3684,7 @@
     </p:spTree>
     <p:extLst>
       <p:ext uri="{BB962C8B-B14F-4D97-AF65-F5344CB8AC3E}">
-        <p14:creationId xmlns:p14="http://schemas.microsoft.com/office/powerpoint/2010/main" val="2695811711"/>
+        <p14:creationId xmlns:p14="http://schemas.microsoft.com/office/powerpoint/2010/main" val="958847051"/>
       </p:ext>
     </p:extLst>
   </p:cSld>
@@ -3724,8 +3727,12 @@
           <a:lstStyle/>
           <a:p>
             <a:r>
+              <a:rPr lang="en-US" dirty="0" err="1" smtClean="0"/>
+              <a:t>Sli</a:t>
+            </a:r>
+            <a:r>
               <a:rPr lang="sr-Latn-RS" dirty="0" smtClean="0"/>
-              <a:t>Motivacija</a:t>
+              <a:t>čna rešenja</a:t>
             </a:r>
             <a:endParaRPr lang="en-US" dirty="0"/>
           </a:p>
@@ -3747,9 +3754,107 @@
           <a:lstStyle/>
           <a:p>
             <a:r>
+              <a:rPr lang="sr-Latn-RS" dirty="0" smtClean="0"/>
+              <a:t>Hovering Controls za smart telefone</a:t>
+            </a:r>
+          </a:p>
+          <a:p>
+            <a:pPr marL="0" indent="0">
+              <a:buNone/>
+            </a:pPr>
+            <a:r>
+              <a:rPr lang="en-US" sz="1600" dirty="0" smtClean="0">
+                <a:solidFill>
+                  <a:schemeClr val="accent1"/>
+                </a:solidFill>
+                <a:hlinkClick r:id="rId2"/>
+              </a:rPr>
+              <a:t>http</a:t>
+            </a:r>
+            <a:r>
+              <a:rPr lang="en-US" sz="1800" dirty="0" smtClean="0">
+                <a:solidFill>
+                  <a:schemeClr val="accent1"/>
+                </a:solidFill>
+                <a:hlinkClick r:id="rId2"/>
+              </a:rPr>
+              <a:t>://</a:t>
+            </a:r>
+            <a:r>
+              <a:rPr lang="en-US" sz="1600" dirty="0" smtClean="0">
+                <a:solidFill>
+                  <a:schemeClr val="accent1"/>
+                </a:solidFill>
+                <a:hlinkClick r:id="rId2"/>
+              </a:rPr>
+              <a:t>forum.xda-developers.com/showthread.php?t=2351974</a:t>
+            </a:r>
+            <a:endParaRPr lang="sr-Latn-RS" sz="1800" dirty="0" smtClean="0">
+              <a:solidFill>
+                <a:schemeClr val="accent1"/>
+              </a:solidFill>
+            </a:endParaRPr>
+          </a:p>
+          <a:p>
+            <a:pPr marL="0" indent="0">
+              <a:buNone/>
+            </a:pPr>
+            <a:r>
+              <a:rPr lang="en-US" sz="1600" dirty="0" smtClean="0">
+                <a:solidFill>
+                  <a:schemeClr val="accent1"/>
+                </a:solidFill>
+                <a:hlinkClick r:id="rId3"/>
+              </a:rPr>
+              <a:t>https://play.google.com/store/apps/details?id=com.golgorz.hoveringcontrols</a:t>
+            </a:r>
+            <a:endParaRPr lang="en-US" sz="1600" dirty="0" smtClean="0">
+              <a:solidFill>
+                <a:schemeClr val="accent1"/>
+              </a:solidFill>
+            </a:endParaRPr>
+          </a:p>
+          <a:p>
+            <a:r>
+              <a:rPr lang="sr-Latn-RS" dirty="0" smtClean="0"/>
+              <a:t>Samsung Smart TV Motion Control</a:t>
+            </a:r>
+            <a:endParaRPr lang="en-US" dirty="0" smtClean="0"/>
+          </a:p>
+          <a:p>
+            <a:pPr marL="0" indent="0">
+              <a:buNone/>
+            </a:pPr>
+            <a:r>
+              <a:rPr lang="en-US" sz="1600" dirty="0" smtClean="0">
+                <a:hlinkClick r:id="rId4"/>
+              </a:rPr>
+              <a:t>http://www.samsung.com/my/microsite/tv/2013_si/motion_control_ex_gesture.html</a:t>
+            </a:r>
+            <a:endParaRPr lang="en-US" sz="1600" dirty="0" smtClean="0"/>
+          </a:p>
+          <a:p>
+            <a:r>
               <a:rPr lang="en-US" dirty="0" smtClean="0"/>
-              <a:t>Force (Star Wars)</a:t>
-            </a:r>
+              <a:t>Leap Motion</a:t>
+            </a:r>
+          </a:p>
+          <a:p>
+            <a:pPr marL="0" indent="0">
+              <a:buNone/>
+            </a:pPr>
+            <a:r>
+              <a:rPr lang="en-US" sz="1600" dirty="0" smtClean="0">
+                <a:hlinkClick r:id="rId5"/>
+              </a:rPr>
+              <a:t>https://www.leapmotion.com/</a:t>
+            </a:r>
+            <a:endParaRPr lang="en-US" sz="1600" dirty="0" smtClean="0"/>
+          </a:p>
+          <a:p>
+            <a:pPr marL="0" indent="0">
+              <a:buNone/>
+            </a:pPr>
             <a:endParaRPr lang="en-US" dirty="0"/>
           </a:p>
         </p:txBody>
@@ -3757,7 +3862,7 @@
     </p:spTree>
     <p:extLst>
       <p:ext uri="{BB962C8B-B14F-4D97-AF65-F5344CB8AC3E}">
-        <p14:creationId xmlns:p14="http://schemas.microsoft.com/office/powerpoint/2010/main" val="958847051"/>
+        <p14:creationId xmlns:p14="http://schemas.microsoft.com/office/powerpoint/2010/main" val="3989313053"/>
       </p:ext>
     </p:extLst>
   </p:cSld>
@@ -3796,184 +3901,6 @@
         </p:nvSpPr>
         <p:spPr/>
         <p:txBody>
-          <a:bodyPr/>
-          <a:lstStyle/>
-          <a:p>
-            <a:r>
-              <a:rPr lang="en-US" dirty="0" err="1" smtClean="0"/>
-              <a:t>Sli</a:t>
-            </a:r>
-            <a:r>
-              <a:rPr lang="sr-Latn-RS" dirty="0" smtClean="0"/>
-              <a:t>čna rešenja</a:t>
-            </a:r>
-            <a:endParaRPr lang="en-US" dirty="0"/>
-          </a:p>
-        </p:txBody>
-      </p:sp>
-      <p:sp>
-        <p:nvSpPr>
-          <p:cNvPr id="3" name="Content Placeholder 2"/>
-          <p:cNvSpPr>
-            <a:spLocks noGrp="1"/>
-          </p:cNvSpPr>
-          <p:nvPr>
-            <p:ph idx="1"/>
-          </p:nvPr>
-        </p:nvSpPr>
-        <p:spPr/>
-        <p:txBody>
-          <a:bodyPr/>
-          <a:lstStyle/>
-          <a:p>
-            <a:r>
-              <a:rPr lang="sr-Latn-RS" dirty="0" smtClean="0"/>
-              <a:t>Hovering Controls za smart telefone</a:t>
-            </a:r>
-          </a:p>
-          <a:p>
-            <a:pPr marL="0" indent="0">
-              <a:buNone/>
-            </a:pPr>
-            <a:r>
-              <a:rPr lang="en-US" sz="1600" dirty="0" smtClean="0">
-                <a:solidFill>
-                  <a:schemeClr val="accent1"/>
-                </a:solidFill>
-                <a:hlinkClick r:id="rId2"/>
-              </a:rPr>
-              <a:t>http</a:t>
-            </a:r>
-            <a:r>
-              <a:rPr lang="en-US" sz="1800" dirty="0" smtClean="0">
-                <a:solidFill>
-                  <a:schemeClr val="accent1"/>
-                </a:solidFill>
-                <a:hlinkClick r:id="rId2"/>
-              </a:rPr>
-              <a:t>://</a:t>
-            </a:r>
-            <a:r>
-              <a:rPr lang="en-US" sz="1600" dirty="0" smtClean="0">
-                <a:solidFill>
-                  <a:schemeClr val="accent1"/>
-                </a:solidFill>
-                <a:hlinkClick r:id="rId2"/>
-              </a:rPr>
-              <a:t>forum.xda-developers.com/showthread.php?t=2351974</a:t>
-            </a:r>
-            <a:endParaRPr lang="sr-Latn-RS" sz="1800" dirty="0" smtClean="0">
-              <a:solidFill>
-                <a:schemeClr val="accent1"/>
-              </a:solidFill>
-            </a:endParaRPr>
-          </a:p>
-          <a:p>
-            <a:pPr marL="0" indent="0">
-              <a:buNone/>
-            </a:pPr>
-            <a:r>
-              <a:rPr lang="en-US" sz="1600" dirty="0" smtClean="0">
-                <a:solidFill>
-                  <a:schemeClr val="accent1"/>
-                </a:solidFill>
-                <a:hlinkClick r:id="rId3"/>
-              </a:rPr>
-              <a:t>https://play.google.com/store/apps/details?id=com.golgorz.hoveringcontrols</a:t>
-            </a:r>
-            <a:endParaRPr lang="en-US" sz="1600" dirty="0" smtClean="0">
-              <a:solidFill>
-                <a:schemeClr val="accent1"/>
-              </a:solidFill>
-            </a:endParaRPr>
-          </a:p>
-          <a:p>
-            <a:r>
-              <a:rPr lang="sr-Latn-RS" dirty="0" smtClean="0"/>
-              <a:t>Samsung Smart TV Motion Control</a:t>
-            </a:r>
-            <a:endParaRPr lang="en-US" dirty="0" smtClean="0"/>
-          </a:p>
-          <a:p>
-            <a:pPr marL="0" indent="0">
-              <a:buNone/>
-            </a:pPr>
-            <a:r>
-              <a:rPr lang="en-US" sz="1600" dirty="0" smtClean="0">
-                <a:hlinkClick r:id="rId4"/>
-              </a:rPr>
-              <a:t>http://www.samsung.com/my/microsite/tv/2013_si/motion_control_ex_gesture.html</a:t>
-            </a:r>
-            <a:endParaRPr lang="en-US" sz="1600" dirty="0" smtClean="0"/>
-          </a:p>
-          <a:p>
-            <a:r>
-              <a:rPr lang="en-US" dirty="0" smtClean="0"/>
-              <a:t>Leap Motion</a:t>
-            </a:r>
-          </a:p>
-          <a:p>
-            <a:pPr marL="0" indent="0">
-              <a:buNone/>
-            </a:pPr>
-            <a:r>
-              <a:rPr lang="en-US" sz="1600" dirty="0" smtClean="0">
-                <a:hlinkClick r:id="rId5"/>
-              </a:rPr>
-              <a:t>https://www.leapmotion.com/</a:t>
-            </a:r>
-            <a:endParaRPr lang="en-US" sz="1600" dirty="0" smtClean="0"/>
-          </a:p>
-          <a:p>
-            <a:pPr marL="0" indent="0">
-              <a:buNone/>
-            </a:pPr>
-            <a:endParaRPr lang="en-US" dirty="0"/>
-          </a:p>
-        </p:txBody>
-      </p:sp>
-    </p:spTree>
-    <p:extLst>
-      <p:ext uri="{BB962C8B-B14F-4D97-AF65-F5344CB8AC3E}">
-        <p14:creationId xmlns:p14="http://schemas.microsoft.com/office/powerpoint/2010/main" val="3989313053"/>
-      </p:ext>
-    </p:extLst>
-  </p:cSld>
-  <p:clrMapOvr>
-    <a:masterClrMapping/>
-  </p:clrMapOvr>
-</p:sld>
-</file>
-
-<file path=ppt/slides/slide8.xml><?xml version="1.0" encoding="utf-8"?>
-<p:sld xmlns:a="http://schemas.openxmlformats.org/drawingml/2006/main" xmlns:r="http://schemas.openxmlformats.org/officeDocument/2006/relationships" xmlns:p="http://schemas.openxmlformats.org/presentationml/2006/main">
-  <p:cSld>
-    <p:spTree>
-      <p:nvGrpSpPr>
-        <p:cNvPr id="1" name=""/>
-        <p:cNvGrpSpPr/>
-        <p:nvPr/>
-      </p:nvGrpSpPr>
-      <p:grpSpPr>
-        <a:xfrm>
-          <a:off x="0" y="0"/>
-          <a:ext cx="0" cy="0"/>
-          <a:chOff x="0" y="0"/>
-          <a:chExt cx="0" cy="0"/>
-        </a:xfrm>
-      </p:grpSpPr>
-      <p:sp>
-        <p:nvSpPr>
-          <p:cNvPr id="2" name="Title 1"/>
-          <p:cNvSpPr>
-            <a:spLocks noGrp="1"/>
-          </p:cNvSpPr>
-          <p:nvPr>
-            <p:ph type="title"/>
-          </p:nvPr>
-        </p:nvSpPr>
-        <p:spPr/>
-        <p:txBody>
           <a:bodyPr>
             <a:normAutofit/>
           </a:bodyPr>
@@ -4052,7 +3979,7 @@
             </a:pPr>
             <a:r>
               <a:rPr lang="sr-Latn-RS" dirty="0" smtClean="0"/>
-              <a:t>Pronaći region od interesa (šaku)</a:t>
+              <a:t>Pronaći region od interesa (konveksnu „ljusku“ šake)</a:t>
             </a:r>
           </a:p>
           <a:p>
@@ -4080,7 +4007,7 @@
 </p:sld>
 </file>
 
-<file path=ppt/slides/slide9.xml><?xml version="1.0" encoding="utf-8"?>
+<file path=ppt/slides/slide8.xml><?xml version="1.0" encoding="utf-8"?>
 <p:sld xmlns:a="http://schemas.openxmlformats.org/drawingml/2006/main" xmlns:r="http://schemas.openxmlformats.org/officeDocument/2006/relationships" xmlns:p="http://schemas.openxmlformats.org/presentationml/2006/main">
   <p:cSld>
     <p:spTree>
